--- a/sessions/week4/lecture_notes.pptx
+++ b/sessions/week4/lecture_notes.pptx
@@ -129,6 +129,22 @@
       </a:defRPr>
     </a:lvl9pPr>
   </p:defaultTextStyle>
+  <p:extLst>
+    <p:ext uri="{EFAFB233-063F-42B5-8137-9DF3F51BA10A}">
+      <p15:sldGuideLst xmlns:p15="http://schemas.microsoft.com/office/powerpoint/2012/main">
+        <p15:guide id="1" orient="horz" pos="2160">
+          <p15:clr>
+            <a:srgbClr val="A4A3A4"/>
+          </p15:clr>
+        </p15:guide>
+        <p15:guide id="2" pos="2880">
+          <p15:clr>
+            <a:srgbClr val="A4A3A4"/>
+          </p15:clr>
+        </p15:guide>
+      </p15:sldGuideLst>
+    </p:ext>
+  </p:extLst>
 </p:presentation>
 </file>
 
@@ -214,7 +230,7 @@
           <a:p>
             <a:fld id="{250BA2FB-D71B-064B-8EFB-0424ACF5A30C}" type="datetimeFigureOut">
               <a:rPr lang="en-US" smtClean="0"/>
-              <a:t>19/10/15</a:t>
+              <a:t>10/17/17</a:t>
             </a:fld>
             <a:endParaRPr lang="en-US"/>
           </a:p>
@@ -1797,7 +1813,7 @@
           <a:p>
             <a:fld id="{13319F95-50B1-5247-A649-31FFB8CDD7C9}" type="datetimeFigureOut">
               <a:rPr lang="en-US" smtClean="0"/>
-              <a:t>19/10/15</a:t>
+              <a:t>10/17/17</a:t>
             </a:fld>
             <a:endParaRPr lang="en-US"/>
           </a:p>
@@ -1967,7 +1983,7 @@
           <a:p>
             <a:fld id="{13319F95-50B1-5247-A649-31FFB8CDD7C9}" type="datetimeFigureOut">
               <a:rPr lang="en-US" smtClean="0"/>
-              <a:t>19/10/15</a:t>
+              <a:t>10/17/17</a:t>
             </a:fld>
             <a:endParaRPr lang="en-US"/>
           </a:p>
@@ -2147,7 +2163,7 @@
           <a:p>
             <a:fld id="{13319F95-50B1-5247-A649-31FFB8CDD7C9}" type="datetimeFigureOut">
               <a:rPr lang="en-US" smtClean="0"/>
-              <a:t>19/10/15</a:t>
+              <a:t>10/17/17</a:t>
             </a:fld>
             <a:endParaRPr lang="en-US"/>
           </a:p>
@@ -2276,7 +2292,7 @@
   <p:clrMapOvr>
     <a:masterClrMapping/>
   </p:clrMapOvr>
-  <p:transition xmlns:p14="http://schemas.microsoft.com/office/powerpoint/2010/main" spd="med"/>
+  <p:transition spd="med"/>
 </p:sldLayout>
 </file>
 
@@ -2389,7 +2405,7 @@
           <a:p>
             <a:fld id="{13319F95-50B1-5247-A649-31FFB8CDD7C9}" type="datetimeFigureOut">
               <a:rPr lang="en-US" smtClean="0"/>
-              <a:t>19/10/15</a:t>
+              <a:t>10/17/17</a:t>
             </a:fld>
             <a:endParaRPr lang="en-US"/>
           </a:p>
@@ -2635,7 +2651,7 @@
           <a:p>
             <a:fld id="{13319F95-50B1-5247-A649-31FFB8CDD7C9}" type="datetimeFigureOut">
               <a:rPr lang="en-US" smtClean="0"/>
-              <a:t>19/10/15</a:t>
+              <a:t>10/17/17</a:t>
             </a:fld>
             <a:endParaRPr lang="en-US"/>
           </a:p>
@@ -2923,7 +2939,7 @@
           <a:p>
             <a:fld id="{13319F95-50B1-5247-A649-31FFB8CDD7C9}" type="datetimeFigureOut">
               <a:rPr lang="en-US" smtClean="0"/>
-              <a:t>19/10/15</a:t>
+              <a:t>10/17/17</a:t>
             </a:fld>
             <a:endParaRPr lang="en-US"/>
           </a:p>
@@ -3345,7 +3361,7 @@
           <a:p>
             <a:fld id="{13319F95-50B1-5247-A649-31FFB8CDD7C9}" type="datetimeFigureOut">
               <a:rPr lang="en-US" smtClean="0"/>
-              <a:t>19/10/15</a:t>
+              <a:t>10/17/17</a:t>
             </a:fld>
             <a:endParaRPr lang="en-US"/>
           </a:p>
@@ -3463,7 +3479,7 @@
           <a:p>
             <a:fld id="{13319F95-50B1-5247-A649-31FFB8CDD7C9}" type="datetimeFigureOut">
               <a:rPr lang="en-US" smtClean="0"/>
-              <a:t>19/10/15</a:t>
+              <a:t>10/17/17</a:t>
             </a:fld>
             <a:endParaRPr lang="en-US"/>
           </a:p>
@@ -3558,7 +3574,7 @@
           <a:p>
             <a:fld id="{13319F95-50B1-5247-A649-31FFB8CDD7C9}" type="datetimeFigureOut">
               <a:rPr lang="en-US" smtClean="0"/>
-              <a:t>19/10/15</a:t>
+              <a:t>10/17/17</a:t>
             </a:fld>
             <a:endParaRPr lang="en-US"/>
           </a:p>
@@ -3835,7 +3851,7 @@
           <a:p>
             <a:fld id="{13319F95-50B1-5247-A649-31FFB8CDD7C9}" type="datetimeFigureOut">
               <a:rPr lang="en-US" smtClean="0"/>
-              <a:t>19/10/15</a:t>
+              <a:t>10/17/17</a:t>
             </a:fld>
             <a:endParaRPr lang="en-US"/>
           </a:p>
@@ -4088,7 +4104,7 @@
           <a:p>
             <a:fld id="{13319F95-50B1-5247-A649-31FFB8CDD7C9}" type="datetimeFigureOut">
               <a:rPr lang="en-US" smtClean="0"/>
-              <a:t>19/10/15</a:t>
+              <a:t>10/17/17</a:t>
             </a:fld>
             <a:endParaRPr lang="en-US"/>
           </a:p>
@@ -4301,7 +4317,7 @@
           <a:p>
             <a:fld id="{13319F95-50B1-5247-A649-31FFB8CDD7C9}" type="datetimeFigureOut">
               <a:rPr lang="en-US" smtClean="0"/>
-              <a:t>19/10/15</a:t>
+              <a:t>10/17/17</a:t>
             </a:fld>
             <a:endParaRPr lang="en-US"/>
           </a:p>
@@ -5288,7 +5304,7 @@
   <p:timing>
     <p:tnLst>
       <p:par>
-        <p:cTn xmlns:p14="http://schemas.microsoft.com/office/powerpoint/2010/main" id="1" dur="indefinite" restart="never" fill="hold" nodeType="tmRoot">
+        <p:cTn id="1" dur="indefinite" restart="never" fill="hold" nodeType="tmRoot">
           <p:childTnLst>
             <p:seq concurrent="1" prevAc="none" nextAc="seek">
               <p:cTn id="2" dur="indefinite" fill="hold" nodeType="mainSeq">
@@ -6251,7 +6267,7 @@
   <p:clrMapOvr>
     <a:masterClrMapping/>
   </p:clrMapOvr>
-  <p:transition xmlns:p14="http://schemas.microsoft.com/office/powerpoint/2010/main" spd="med"/>
+  <p:transition spd="med"/>
 </p:sld>
 </file>
 
@@ -6409,7 +6425,7 @@
   <p:clrMapOvr>
     <a:masterClrMapping/>
   </p:clrMapOvr>
-  <p:transition xmlns:p14="http://schemas.microsoft.com/office/powerpoint/2010/main" spd="med"/>
+  <p:transition spd="med"/>
 </p:sld>
 </file>
 
@@ -6572,7 +6588,7 @@
   <p:clrMapOvr>
     <a:masterClrMapping/>
   </p:clrMapOvr>
-  <p:transition xmlns:p14="http://schemas.microsoft.com/office/powerpoint/2010/main" spd="med"/>
+  <p:transition spd="med"/>
 </p:sld>
 </file>
 
@@ -6938,7 +6954,7 @@
   <p:timing>
     <p:tnLst>
       <p:par>
-        <p:cTn xmlns:p14="http://schemas.microsoft.com/office/powerpoint/2010/main" id="1" dur="indefinite" restart="never" fill="hold" nodeType="tmRoot">
+        <p:cTn id="1" dur="indefinite" restart="never" fill="hold" nodeType="tmRoot">
           <p:childTnLst>
             <p:seq concurrent="1" prevAc="none" nextAc="seek">
               <p:cTn id="2" dur="indefinite" fill="hold" nodeType="mainSeq">
@@ -7931,7 +7947,7 @@
   <p:timing>
     <p:tnLst>
       <p:par>
-        <p:cTn xmlns:p14="http://schemas.microsoft.com/office/powerpoint/2010/main" id="1" dur="indefinite" restart="never" fill="hold" nodeType="tmRoot">
+        <p:cTn id="1" dur="indefinite" restart="never" fill="hold" nodeType="tmRoot">
           <p:childTnLst>
             <p:seq concurrent="1" prevAc="none" nextAc="seek">
               <p:cTn id="2" dur="indefinite" fill="hold" nodeType="mainSeq">
@@ -8960,7 +8976,7 @@
   <p:timing>
     <p:tnLst>
       <p:par>
-        <p:cTn xmlns:p14="http://schemas.microsoft.com/office/powerpoint/2010/main" id="1" dur="indefinite" restart="never" fill="hold" nodeType="tmRoot">
+        <p:cTn id="1" dur="indefinite" restart="never" fill="hold" nodeType="tmRoot">
           <p:childTnLst>
             <p:seq concurrent="1" prevAc="none" nextAc="seek">
               <p:cTn id="2" dur="indefinite" fill="hold" nodeType="mainSeq">
@@ -15859,11 +15875,11 @@
   <p:clrMapOvr>
     <a:masterClrMapping/>
   </p:clrMapOvr>
-  <mc:AlternateContent xmlns:mc="http://schemas.openxmlformats.org/markup-compatibility/2006">
-    <mc:Choice xmlns:p14="http://schemas.microsoft.com/office/powerpoint/2010/main" Requires="p14">
+  <mc:AlternateContent xmlns:mc="http://schemas.openxmlformats.org/markup-compatibility/2006" xmlns:p14="http://schemas.microsoft.com/office/powerpoint/2010/main">
+    <mc:Choice Requires="p14">
       <p:transition spd="slow" p14:dur="2000"/>
     </mc:Choice>
-    <mc:Fallback>
+    <mc:Fallback xmlns="">
       <p:transition xmlns:p14="http://schemas.microsoft.com/office/powerpoint/2010/main" spd="slow"/>
     </mc:Fallback>
   </mc:AlternateContent>
@@ -17064,7 +17080,7 @@
   <p:clrMapOvr>
     <a:masterClrMapping/>
   </p:clrMapOvr>
-  <p:transition xmlns:p14="http://schemas.microsoft.com/office/powerpoint/2010/main" spd="med"/>
+  <p:transition spd="med"/>
 </p:sld>
 </file>
 
@@ -17767,7 +17783,7 @@
         <p:spPr>
           <a:xfrm>
             <a:off x="395288" y="1125538"/>
-            <a:ext cx="8748712" cy="2159446"/>
+            <a:ext cx="8748712" cy="1782600"/>
           </a:xfrm>
           <a:prstGeom prst="rect">
             <a:avLst/>
@@ -17793,7 +17809,7 @@
               </a:tabLst>
             </a:pPr>
             <a:r>
-              <a:rPr sz="2744">
+              <a:rPr sz="2744" dirty="0">
                 <a:latin typeface="Arial"/>
                 <a:ea typeface="Arial"/>
                 <a:cs typeface="Arial"/>
@@ -17802,7 +17818,7 @@
               <a:t>to add special effects to a </a:t>
             </a:r>
             <a:r>
-              <a:rPr sz="2744" i="1">
+              <a:rPr sz="2744" i="1" dirty="0">
                 <a:latin typeface="Arial"/>
                 <a:ea typeface="Arial"/>
                 <a:cs typeface="Arial"/>
@@ -17811,7 +17827,7 @@
               <a:t>sub-part </a:t>
             </a:r>
             <a:r>
-              <a:rPr sz="2744">
+              <a:rPr sz="2744" dirty="0">
                 <a:latin typeface="Arial"/>
                 <a:ea typeface="Arial"/>
                 <a:cs typeface="Arial"/>
@@ -17819,7 +17835,7 @@
               </a:rPr>
               <a:t>of an existing element</a:t>
             </a:r>
-            <a:endParaRPr sz="2744" i="1">
+            <a:endParaRPr sz="2744" i="1" dirty="0">
               <a:latin typeface="Arial"/>
               <a:ea typeface="Arial"/>
               <a:cs typeface="Arial"/>
@@ -17841,7 +17857,7 @@
               </a:tabLst>
             </a:pPr>
             <a:r>
-              <a:rPr sz="2744">
+              <a:rPr sz="2744" dirty="0">
                 <a:latin typeface="Arial"/>
                 <a:ea typeface="Arial"/>
                 <a:cs typeface="Arial"/>
@@ -17849,20 +17865,8 @@
               </a:rPr>
               <a:t>syntax </a:t>
             </a:r>
-          </a:p>
-          <a:p>
-            <a:pPr marL="0" lvl="4" indent="703199" defTabSz="896111">
-              <a:spcBef>
-                <a:spcPts val="0"/>
-              </a:spcBef>
-              <a:buSzTx/>
-              <a:buNone/>
-              <a:tabLst>
-                <a:tab pos="76200" algn="l"/>
-              </a:tabLst>
-            </a:pPr>
-            <a:r>
-              <a:rPr sz="2744">
+            <a:r>
+              <a:rPr sz="2744" dirty="0" smtClean="0">
                 <a:solidFill>
                   <a:srgbClr val="000099"/>
                 </a:solidFill>
@@ -17874,7 +17878,7 @@
               <a:t>selector</a:t>
             </a:r>
             <a:r>
-              <a:rPr sz="2744">
+              <a:rPr sz="2744" dirty="0" smtClean="0">
                 <a:latin typeface="Times New Roman"/>
                 <a:ea typeface="Times New Roman"/>
                 <a:cs typeface="Times New Roman"/>
@@ -17883,7 +17887,7 @@
               <a:t>:</a:t>
             </a:r>
             <a:r>
-              <a:rPr sz="2744">
+              <a:rPr sz="2744" dirty="0" smtClean="0">
                 <a:solidFill>
                   <a:srgbClr val="C00000"/>
                 </a:solidFill>
@@ -17895,13 +17899,22 @@
               <a:t>pseudo-element</a:t>
             </a:r>
             <a:r>
-              <a:rPr sz="2744">
+              <a:rPr sz="2744" dirty="0" smtClean="0">
                 <a:latin typeface="Times New Roman"/>
                 <a:ea typeface="Times New Roman"/>
                 <a:cs typeface="Times New Roman"/>
                 <a:sym typeface="Times New Roman"/>
               </a:rPr>
-              <a:t> {property:value;}</a:t>
+              <a:t> </a:t>
+            </a:r>
+            <a:r>
+              <a:rPr sz="2744" dirty="0">
+                <a:latin typeface="Times New Roman"/>
+                <a:ea typeface="Times New Roman"/>
+                <a:cs typeface="Times New Roman"/>
+                <a:sym typeface="Times New Roman"/>
+              </a:rPr>
+              <a:t>{property:value;}</a:t>
             </a:r>
           </a:p>
           <a:p>
@@ -17919,7 +17932,7 @@
               </a:tabLst>
             </a:pPr>
             <a:r>
-              <a:rPr sz="2744">
+              <a:rPr sz="2744" dirty="0">
                 <a:latin typeface="Arial"/>
                 <a:ea typeface="Arial"/>
                 <a:cs typeface="Arial"/>
@@ -18427,7 +18440,7 @@
   <p:timing>
     <p:tnLst>
       <p:par>
-        <p:cTn xmlns:p14="http://schemas.microsoft.com/office/powerpoint/2010/main" id="1" dur="indefinite" restart="never" fill="hold" nodeType="tmRoot">
+        <p:cTn id="1" dur="indefinite" restart="never" fill="hold" nodeType="tmRoot">
           <p:childTnLst>
             <p:seq concurrent="1" prevAc="none" nextAc="seek">
               <p:cTn id="2" dur="indefinite" fill="hold" nodeType="mainSeq">
@@ -18489,14 +18502,23 @@
                             </p:childTnLst>
                           </p:cTn>
                         </p:par>
+                      </p:childTnLst>
+                    </p:cTn>
+                  </p:par>
+                  <p:par>
+                    <p:cTn id="8" fill="hold">
+                      <p:stCondLst>
+                        <p:cond delay="indefinite"/>
+                      </p:stCondLst>
+                      <p:childTnLst>
                         <p:par>
-                          <p:cTn id="8" fill="hold">
+                          <p:cTn id="9" fill="hold">
                             <p:stCondLst>
-                              <p:cond delay="500"/>
+                              <p:cond delay="0"/>
                             </p:stCondLst>
                             <p:childTnLst>
                               <p:par>
-                                <p:cTn id="9" presetID="3" presetClass="entr" presetSubtype="10" fill="hold" grpId="0" nodeType="afterEffect">
+                                <p:cTn id="10" presetID="3" presetClass="entr" presetSubtype="10" fill="hold" grpId="0" nodeType="clickEffect">
                                   <p:stCondLst>
                                     <p:cond delay="0"/>
                                   </p:stCondLst>
@@ -18506,7 +18528,7 @@
                                   <p:childTnLst>
                                     <p:set>
                                       <p:cBhvr>
-                                        <p:cTn id="10" fill="hold"/>
+                                        <p:cTn id="11" fill="hold"/>
                                         <p:tgtEl>
                                           <p:spTgt spid="364">
                                             <p:txEl>
@@ -18524,7 +18546,7 @@
                                     </p:set>
                                     <p:animEffect transition="in" filter="blinds(horizontal)">
                                       <p:cBhvr>
-                                        <p:cTn id="11" dur="500"/>
+                                        <p:cTn id="12" dur="500"/>
                                         <p:tgtEl>
                                           <p:spTgt spid="364">
                                             <p:txEl>
@@ -18540,74 +18562,14 @@
                             </p:childTnLst>
                           </p:cTn>
                         </p:par>
-                      </p:childTnLst>
-                    </p:cTn>
-                  </p:par>
-                  <p:par>
-                    <p:cTn id="12" fill="hold">
-                      <p:stCondLst>
-                        <p:cond delay="indefinite"/>
-                      </p:stCondLst>
-                      <p:childTnLst>
                         <p:par>
                           <p:cTn id="13" fill="hold">
-                            <p:stCondLst>
-                              <p:cond delay="0"/>
-                            </p:stCondLst>
-                            <p:childTnLst>
-                              <p:par>
-                                <p:cTn id="14" presetID="3" presetClass="entr" presetSubtype="10" fill="hold" grpId="0" nodeType="clickEffect">
-                                  <p:stCondLst>
-                                    <p:cond delay="0"/>
-                                  </p:stCondLst>
-                                  <p:iterate>
-                                    <p:tmAbs val="0"/>
-                                  </p:iterate>
-                                  <p:childTnLst>
-                                    <p:set>
-                                      <p:cBhvr>
-                                        <p:cTn id="15" fill="hold"/>
-                                        <p:tgtEl>
-                                          <p:spTgt spid="364">
-                                            <p:txEl>
-                                              <p:pRg st="3" end="3"/>
-                                            </p:txEl>
-                                          </p:spTgt>
-                                        </p:tgtEl>
-                                        <p:attrNameLst>
-                                          <p:attrName>style.visibility</p:attrName>
-                                        </p:attrNameLst>
-                                      </p:cBhvr>
-                                      <p:to>
-                                        <p:strVal val="visible"/>
-                                      </p:to>
-                                    </p:set>
-                                    <p:animEffect transition="in" filter="blinds(horizontal)">
-                                      <p:cBhvr>
-                                        <p:cTn id="16" dur="500"/>
-                                        <p:tgtEl>
-                                          <p:spTgt spid="364">
-                                            <p:txEl>
-                                              <p:pRg st="3" end="3"/>
-                                            </p:txEl>
-                                          </p:spTgt>
-                                        </p:tgtEl>
-                                      </p:cBhvr>
-                                    </p:animEffect>
-                                  </p:childTnLst>
-                                </p:cTn>
-                              </p:par>
-                            </p:childTnLst>
-                          </p:cTn>
-                        </p:par>
-                        <p:par>
-                          <p:cTn id="17" fill="hold">
                             <p:stCondLst>
                               <p:cond delay="500"/>
                             </p:stCondLst>
                             <p:childTnLst>
                               <p:par>
-                                <p:cTn id="18" presetID="4" presetClass="entr" presetSubtype="16" fill="hold" grpId="0" nodeType="afterEffect">
+                                <p:cTn id="14" presetID="4" presetClass="entr" presetSubtype="16" fill="hold" grpId="0" nodeType="afterEffect">
                                   <p:stCondLst>
                                     <p:cond delay="2000"/>
                                   </p:stCondLst>
@@ -18617,7 +18579,7 @@
                                   <p:childTnLst>
                                     <p:set>
                                       <p:cBhvr>
-                                        <p:cTn id="19" fill="hold"/>
+                                        <p:cTn id="15" fill="hold"/>
                                         <p:tgtEl>
                                           <p:spTgt spid="366"/>
                                         </p:tgtEl>
@@ -18631,7 +18593,7 @@
                                     </p:set>
                                     <p:animEffect transition="in" filter="box(in)">
                                       <p:cBhvr>
-                                        <p:cTn id="20" dur="1000"/>
+                                        <p:cTn id="16" dur="1000"/>
                                         <p:tgtEl>
                                           <p:spTgt spid="366"/>
                                         </p:tgtEl>
@@ -18644,13 +18606,13 @@
                           </p:cTn>
                         </p:par>
                         <p:par>
-                          <p:cTn id="21" fill="hold">
+                          <p:cTn id="17" fill="hold">
                             <p:stCondLst>
                               <p:cond delay="3500"/>
                             </p:stCondLst>
                             <p:childTnLst>
                               <p:par>
-                                <p:cTn id="22" presetID="4" presetClass="entr" presetSubtype="16" fill="hold" grpId="0" nodeType="afterEffect">
+                                <p:cTn id="18" presetID="4" presetClass="entr" presetSubtype="16" fill="hold" grpId="0" nodeType="afterEffect">
                                   <p:stCondLst>
                                     <p:cond delay="0"/>
                                   </p:stCondLst>
@@ -18660,7 +18622,7 @@
                                   <p:childTnLst>
                                     <p:set>
                                       <p:cBhvr>
-                                        <p:cTn id="23" fill="hold"/>
+                                        <p:cTn id="19" fill="hold"/>
                                         <p:tgtEl>
                                           <p:spTgt spid="367"/>
                                         </p:tgtEl>
@@ -18674,7 +18636,7 @@
                                     </p:set>
                                     <p:animEffect transition="in" filter="box(in)">
                                       <p:cBhvr>
-                                        <p:cTn id="24" dur="2000"/>
+                                        <p:cTn id="20" dur="2000"/>
                                         <p:tgtEl>
                                           <p:spTgt spid="367"/>
                                         </p:tgtEl>
@@ -18690,19 +18652,19 @@
                     </p:cTn>
                   </p:par>
                   <p:par>
-                    <p:cTn id="25" fill="hold">
+                    <p:cTn id="21" fill="hold">
                       <p:stCondLst>
                         <p:cond delay="indefinite"/>
                       </p:stCondLst>
                       <p:childTnLst>
                         <p:par>
-                          <p:cTn id="26" fill="hold">
+                          <p:cTn id="22" fill="hold">
                             <p:stCondLst>
                               <p:cond delay="0"/>
                             </p:stCondLst>
                             <p:childTnLst>
                               <p:par>
-                                <p:cTn id="27" presetID="23" presetClass="entr" presetSubtype="32" fill="hold" grpId="0" nodeType="clickEffect">
+                                <p:cTn id="23" presetID="23" presetClass="entr" presetSubtype="32" fill="hold" grpId="0" nodeType="clickEffect">
                                   <p:stCondLst>
                                     <p:cond delay="0"/>
                                   </p:stCondLst>
@@ -18712,7 +18674,7 @@
                                   <p:childTnLst>
                                     <p:set>
                                       <p:cBhvr>
-                                        <p:cTn id="28" fill="hold"/>
+                                        <p:cTn id="24" fill="hold"/>
                                         <p:tgtEl>
                                           <p:spTgt spid="368"/>
                                         </p:tgtEl>
@@ -18726,7 +18688,7 @@
                                     </p:set>
                                     <p:anim calcmode="lin" valueType="num">
                                       <p:cBhvr>
-                                        <p:cTn id="29" dur="500" fill="hold"/>
+                                        <p:cTn id="25" dur="500" fill="hold"/>
                                         <p:tgtEl>
                                           <p:spTgt spid="368"/>
                                         </p:tgtEl>
@@ -18749,7 +18711,7 @@
                                     </p:anim>
                                     <p:anim calcmode="lin" valueType="num">
                                       <p:cBhvr>
-                                        <p:cTn id="30" dur="500" fill="hold"/>
+                                        <p:cTn id="26" dur="500" fill="hold"/>
                                         <p:tgtEl>
                                           <p:spTgt spid="368"/>
                                         </p:tgtEl>
@@ -18777,13 +18739,13 @@
                           </p:cTn>
                         </p:par>
                         <p:par>
-                          <p:cTn id="31" fill="hold">
+                          <p:cTn id="27" fill="hold">
                             <p:stCondLst>
                               <p:cond delay="500"/>
                             </p:stCondLst>
                             <p:childTnLst>
                               <p:par>
-                                <p:cTn id="32" presetID="23" presetClass="entr" presetSubtype="32" fill="hold" grpId="0" nodeType="afterEffect">
+                                <p:cTn id="28" presetID="23" presetClass="entr" presetSubtype="32" fill="hold" grpId="0" nodeType="afterEffect">
                                   <p:stCondLst>
                                     <p:cond delay="0"/>
                                   </p:stCondLst>
@@ -18793,7 +18755,7 @@
                                   <p:childTnLst>
                                     <p:set>
                                       <p:cBhvr>
-                                        <p:cTn id="33" fill="hold"/>
+                                        <p:cTn id="29" fill="hold"/>
                                         <p:tgtEl>
                                           <p:spTgt spid="369"/>
                                         </p:tgtEl>
@@ -18807,7 +18769,7 @@
                                     </p:set>
                                     <p:anim calcmode="lin" valueType="num">
                                       <p:cBhvr>
-                                        <p:cTn id="34" dur="500" fill="hold"/>
+                                        <p:cTn id="30" dur="500" fill="hold"/>
                                         <p:tgtEl>
                                           <p:spTgt spid="369"/>
                                         </p:tgtEl>
@@ -18830,7 +18792,7 @@
                                     </p:anim>
                                     <p:anim calcmode="lin" valueType="num">
                                       <p:cBhvr>
-                                        <p:cTn id="35" dur="500" fill="hold"/>
+                                        <p:cTn id="31" dur="500" fill="hold"/>
                                         <p:tgtEl>
                                           <p:spTgt spid="369"/>
                                         </p:tgtEl>
@@ -18861,19 +18823,19 @@
                     </p:cTn>
                   </p:par>
                   <p:par>
-                    <p:cTn id="36" fill="hold">
+                    <p:cTn id="32" fill="hold">
                       <p:stCondLst>
                         <p:cond delay="indefinite"/>
                       </p:stCondLst>
                       <p:childTnLst>
                         <p:par>
-                          <p:cTn id="37" fill="hold">
+                          <p:cTn id="33" fill="hold">
                             <p:stCondLst>
                               <p:cond delay="0"/>
                             </p:stCondLst>
                             <p:childTnLst>
                               <p:par>
-                                <p:cTn id="38" presetID="2" presetClass="entr" presetSubtype="4" fill="hold" grpId="0" nodeType="clickEffect">
+                                <p:cTn id="34" presetID="2" presetClass="entr" presetSubtype="4" fill="hold" grpId="0" nodeType="clickEffect">
                                   <p:stCondLst>
                                     <p:cond delay="0"/>
                                   </p:stCondLst>
@@ -18883,7 +18845,7 @@
                                   <p:childTnLst>
                                     <p:set>
                                       <p:cBhvr>
-                                        <p:cTn id="39" fill="hold"/>
+                                        <p:cTn id="35" fill="hold"/>
                                         <p:tgtEl>
                                           <p:spTgt spid="370"/>
                                         </p:tgtEl>
@@ -18897,7 +18859,7 @@
                                     </p:set>
                                     <p:anim calcmode="lin" valueType="num">
                                       <p:cBhvr>
-                                        <p:cTn id="40" dur="500" fill="hold"/>
+                                        <p:cTn id="36" dur="500" fill="hold"/>
                                         <p:tgtEl>
                                           <p:spTgt spid="370"/>
                                         </p:tgtEl>
@@ -18920,7 +18882,7 @@
                                     </p:anim>
                                     <p:anim calcmode="lin" valueType="num">
                                       <p:cBhvr>
-                                        <p:cTn id="41" dur="500" fill="hold"/>
+                                        <p:cTn id="37" dur="500" fill="hold"/>
                                         <p:tgtEl>
                                           <p:spTgt spid="370"/>
                                         </p:tgtEl>
